--- a/Hva gjør eg på jobb.pptx
+++ b/Hva gjør eg på jobb.pptx
@@ -123,6 +123,7 @@
 <file path=ppt/revisionInfo.xml><?xml version="1.0" encoding="utf-8"?>
 <p1510:revInfo xmlns:a="http://schemas.openxmlformats.org/drawingml/2006/main" xmlns:r="http://schemas.openxmlformats.org/officeDocument/2006/relationships" xmlns:p1510="http://schemas.microsoft.com/office/powerpoint/2015/10/main">
   <p1510:revLst>
+    <p1510:client id="{547B1AB8-9C62-52AF-C3EA-07DE45CFA7AF}" v="127" dt="2024-04-05T12:04:57.413"/>
     <p1510:client id="{EE5FE012-6FEA-28AB-C4BF-26F77603A2A6}" v="194" dt="2024-04-05T08:50:17.814"/>
   </p1510:revLst>
 </p1510:revInfo>
@@ -591,7 +592,7 @@
               <a:pPr>
                 <a:defRPr/>
               </a:pPr>
-              <a:t>3</a:t>
+              <a:t>4</a:t>
             </a:fld>
             <a:endParaRPr lang="nb-NO"/>
           </a:p>
@@ -702,7 +703,7 @@
           <a:p>
             <a:fld id="{35BA3903-8CF9-4267-B266-EC5FD551FC2C}" type="slidenum">
               <a:rPr lang="nb-NO" smtClean="0"/>
-              <a:t>4</a:t>
+              <a:t>5</a:t>
             </a:fld>
             <a:endParaRPr lang="nb-NO"/>
           </a:p>
@@ -4000,7 +4001,26 @@
             </a:r>
             <a:r>
               <a:rPr lang="en-US" dirty="0"/>
-              <a:t> programmer</a:t>
+              <a:t> programmer, </a:t>
+            </a:r>
+            <a:br>
+              <a:rPr lang="en-US" dirty="0"/>
+            </a:br>
+            <a:r>
+              <a:rPr lang="en-US" dirty="0"/>
+              <a:t>vi </a:t>
+            </a:r>
+            <a:r>
+              <a:rPr lang="en-US" dirty="0" err="1"/>
+              <a:t>har</a:t>
+            </a:r>
+            <a:r>
+              <a:rPr lang="en-US" dirty="0"/>
+              <a:t> 52 live </a:t>
+            </a:r>
+            <a:r>
+              <a:rPr lang="en-US" dirty="0" err="1"/>
+              <a:t>idag</a:t>
             </a:r>
           </a:p>
           <a:p>
@@ -4022,7 +4042,7 @@
             </a:r>
             <a:r>
               <a:rPr lang="en-US" dirty="0"/>
-              <a:t> programmer </a:t>
+              <a:t> programmer, </a:t>
             </a:r>
             <a:r>
               <a:rPr lang="en-US" dirty="0" err="1"/>
@@ -4062,7 +4082,7 @@
             </a:r>
             <a:r>
               <a:rPr lang="en-US" dirty="0"/>
-              <a:t> </a:t>
+              <a:t>(Java virtual machine) </a:t>
             </a:r>
             <a:r>
               <a:rPr lang="en-US" dirty="0" err="1"/>
@@ -4082,11 +4102,35 @@
             </a:r>
             <a:r>
               <a:rPr lang="en-US" dirty="0" err="1"/>
-              <a:t>skriver</a:t>
+              <a:t>koder</a:t>
             </a:r>
             <a:r>
               <a:rPr lang="en-US" dirty="0"/>
-              <a:t> programmer I </a:t>
+              <a:t> programmer I all </a:t>
+            </a:r>
+            <a:r>
+              <a:rPr lang="en-US" dirty="0" err="1"/>
+              <a:t>houvedsak</a:t>
+            </a:r>
+            <a:r>
+              <a:rPr lang="en-US" dirty="0"/>
+              <a:t> I </a:t>
+            </a:r>
+            <a:r>
+              <a:rPr lang="en-US" dirty="0" err="1"/>
+              <a:t>programmeirngs</a:t>
+            </a:r>
+            <a:r>
+              <a:rPr lang="en-US" dirty="0"/>
+              <a:t> </a:t>
+            </a:r>
+            <a:r>
+              <a:rPr lang="en-US" dirty="0" err="1"/>
+              <a:t>språket</a:t>
+            </a:r>
+            <a:r>
+              <a:rPr lang="en-US" dirty="0"/>
+              <a:t> </a:t>
             </a:r>
             <a:r>
               <a:rPr lang="en-US" dirty="0" err="1"/>
@@ -4094,7 +4138,65 @@
             </a:r>
             <a:r>
               <a:rPr lang="en-US" dirty="0"/>
-              <a:t> (fancy java)</a:t>
+              <a:t> (fancy/</a:t>
+            </a:r>
+            <a:r>
+              <a:rPr lang="en-US" dirty="0" err="1"/>
+              <a:t>bedre</a:t>
+            </a:r>
+            <a:r>
+              <a:rPr lang="en-US" dirty="0"/>
+              <a:t> java)</a:t>
+            </a:r>
+          </a:p>
+          <a:p>
+            <a:r>
+              <a:rPr lang="en-US" dirty="0"/>
+              <a:t>Noen </a:t>
+            </a:r>
+            <a:r>
+              <a:rPr lang="en-US" dirty="0" err="1"/>
+              <a:t>brukere</a:t>
+            </a:r>
+            <a:r>
+              <a:rPr lang="en-US" dirty="0"/>
+              <a:t> av </a:t>
+            </a:r>
+            <a:r>
+              <a:rPr lang="en-US" dirty="0" err="1"/>
+              <a:t>programmene</a:t>
+            </a:r>
+            <a:r>
+              <a:rPr lang="en-US" dirty="0"/>
+              <a:t>: Leger, NAV </a:t>
+            </a:r>
+            <a:r>
+              <a:rPr lang="en-US" dirty="0" err="1"/>
+              <a:t>ansatte</a:t>
+            </a:r>
+            <a:r>
+              <a:rPr lang="en-US" dirty="0"/>
+              <a:t>, </a:t>
+            </a:r>
+            <a:r>
+              <a:rPr lang="en-US" dirty="0" err="1"/>
+              <a:t>Bedriftsledere</a:t>
+            </a:r>
+            <a:r>
+              <a:rPr lang="en-US" dirty="0"/>
+              <a:t>, </a:t>
+            </a:r>
+            <a:r>
+              <a:rPr lang="en-US" dirty="0" err="1"/>
+              <a:t>sykmeldte</a:t>
+            </a:r>
+            <a:r>
+              <a:rPr lang="en-US" dirty="0"/>
+              <a:t> </a:t>
+            </a:r>
+            <a:r>
+              <a:rPr lang="en-US" dirty="0" err="1"/>
+              <a:t>innbyger</a:t>
             </a:r>
           </a:p>
           <a:p>
@@ -4173,6 +4275,22 @@
             <a:r>
               <a:rPr lang="en-US" dirty="0" err="1"/>
               <a:t>kode</a:t>
+            </a:r>
+            <a:r>
+              <a:rPr lang="en-US" dirty="0"/>
+              <a:t> </a:t>
+            </a:r>
+            <a:r>
+              <a:rPr lang="en-US" dirty="0" err="1"/>
+              <a:t>eg</a:t>
+            </a:r>
+            <a:r>
+              <a:rPr lang="en-US" dirty="0"/>
+              <a:t> </a:t>
+            </a:r>
+            <a:r>
+              <a:rPr lang="en-US" dirty="0" err="1"/>
+              <a:t>skriver</a:t>
             </a:r>
           </a:p>
         </p:txBody>
@@ -4266,10 +4384,10 @@
       </p:sp>
       <p:pic>
         <p:nvPicPr>
-          <p:cNvPr id="7" name="Content Placeholder 6" descr="A diagram of a cylinder&#10;&#10;Description automatically generated">
+          <p:cNvPr id="5" name="Content Placeholder 4" descr="A diagram of a cylinder&#10;&#10;Description automatically generated">
             <a:extLst>
               <a:ext uri="{FF2B5EF4-FFF2-40B4-BE49-F238E27FC236}">
-                <a16:creationId xmlns:a16="http://schemas.microsoft.com/office/drawing/2014/main" id="{9E3DEF17-46F6-B019-6FA7-1222A8C42550}"/>
+                <a16:creationId xmlns:a16="http://schemas.microsoft.com/office/drawing/2014/main" id="{A287D660-BDD3-1BF2-DAE4-17041C27F3F5}"/>
               </a:ext>
             </a:extLst>
           </p:cNvPr>
@@ -4288,8 +4406,8 @@
         </p:blipFill>
         <p:spPr>
           <a:xfrm>
-            <a:off x="838200" y="1849899"/>
-            <a:ext cx="10515600" cy="4302790"/>
+            <a:off x="957502" y="1825625"/>
+            <a:ext cx="10276995" cy="4351338"/>
           </a:xfrm>
         </p:spPr>
       </p:pic>
@@ -5809,7 +5927,7 @@
         <p:spPr>
           <a:xfrm>
             <a:off x="863600" y="1741715"/>
-            <a:ext cx="6604000" cy="2862322"/>
+            <a:ext cx="6604000" cy="3416320"/>
           </a:xfrm>
           <a:prstGeom prst="rect">
             <a:avLst/>
@@ -5835,7 +5953,7 @@
               <a:rPr lang="en-US" dirty="0"/>
             </a:br>
             <a:endParaRPr lang="en-US">
-              <a:hlinkClick r:id=""/>
+              <a:hlinkClick r:id="" action="ppaction://noaction"/>
             </a:endParaRPr>
           </a:p>
           <a:p>
@@ -5887,7 +6005,27 @@
               </a:rPr>
               <a:t>https://syk-dig.ekstern.dev.nav.no/</a:t>
             </a:r>
-            <a:endParaRPr lang="en-US" dirty="0">
+            <a:br>
+              <a:rPr lang="en-US" dirty="0">
+                <a:ea typeface="+mn-lt"/>
+                <a:cs typeface="+mn-lt"/>
+              </a:rPr>
+            </a:br>
+            <a:br>
+              <a:rPr lang="en-US" dirty="0">
+                <a:ea typeface="+mn-lt"/>
+                <a:cs typeface="+mn-lt"/>
+              </a:rPr>
+            </a:br>
+            <a:r>
+              <a:rPr lang="en-US" dirty="0">
+                <a:ea typeface="+mn-lt"/>
+                <a:cs typeface="+mn-lt"/>
+                <a:hlinkClick r:id="rId6"/>
+              </a:rPr>
+              <a:t>https://teamsykmelding-arkitektur.ekstern.dev.nav.no/</a:t>
+            </a:r>
+            <a:endParaRPr lang="en-US">
               <a:ea typeface="+mn-lt"/>
               <a:cs typeface="+mn-lt"/>
             </a:endParaRPr>
